--- a/形式化方法/01/lec01-overview.pptx
+++ b/形式化方法/01/lec01-overview.pptx
@@ -6020,14 +6020,10 @@
             <a:endParaRPr lang="en-US" altLang="zh-CN" dirty="0"/>
           </a:p>
           <a:p>
-            <a:pPr lvl="1" eaLnBrk="1" hangingPunct="1"/>
-            <a:r>
-              <a:rPr lang="en-US" altLang="zh-CN" sz="2000" dirty="0">
-                <a:hlinkClick r:id="rId1"/>
-              </a:rPr>
-              <a:t>http://staff.ustc.edu.cn/~bjhua/courses/theory/2020</a:t>
-            </a:r>
-            <a:endParaRPr lang="en-US" altLang="zh-CN" sz="2000" dirty="0"/>
+            <a:pPr marL="457200" lvl="1" indent="0" eaLnBrk="1" hangingPunct="1">
+              <a:buNone/>
+            </a:pPr>
+            <a:endParaRPr lang="en-US" altLang="zh-CN" dirty="0"/>
           </a:p>
           <a:p>
             <a:pPr eaLnBrk="1" hangingPunct="1"/>
